--- a/74HC595 Wiring Schematic.pptx
+++ b/74HC595 Wiring Schematic.pptx
@@ -7,6 +7,7 @@
   <p:sldIdLst>
     <p:sldId id="257" r:id="rId2"/>
     <p:sldId id="256" r:id="rId3"/>
+    <p:sldId id="258" r:id="rId4"/>
   </p:sldIdLst>
   <p:sldSz cx="9144000" cy="6858000" type="screen4x3"/>
   <p:notesSz cx="6858000" cy="9144000"/>
@@ -289,7 +290,8 @@
           <a:p>
             <a:fld id="{896F2326-4A70-4158-8EF4-870C7A1714DC}" type="datetimeFigureOut">
               <a:rPr lang="en-GB" smtClean="0"/>
-              <a:t>25/02/2022</a:t>
+              <a:pPr/>
+              <a:t>01/03/2022</a:t>
             </a:fld>
             <a:endParaRPr lang="en-GB"/>
           </a:p>
@@ -331,6 +333,7 @@
           <a:p>
             <a:fld id="{504313BB-3A6D-4DF2-B70F-A1BABF25D464}" type="slidenum">
               <a:rPr lang="en-GB" smtClean="0"/>
+              <a:pPr/>
               <a:t>‹#›</a:t>
             </a:fld>
             <a:endParaRPr lang="en-GB"/>
@@ -454,7 +457,8 @@
           <a:p>
             <a:fld id="{896F2326-4A70-4158-8EF4-870C7A1714DC}" type="datetimeFigureOut">
               <a:rPr lang="en-GB" smtClean="0"/>
-              <a:t>25/02/2022</a:t>
+              <a:pPr/>
+              <a:t>01/03/2022</a:t>
             </a:fld>
             <a:endParaRPr lang="en-GB"/>
           </a:p>
@@ -496,6 +500,7 @@
           <a:p>
             <a:fld id="{504313BB-3A6D-4DF2-B70F-A1BABF25D464}" type="slidenum">
               <a:rPr lang="en-GB" smtClean="0"/>
+              <a:pPr/>
               <a:t>‹#›</a:t>
             </a:fld>
             <a:endParaRPr lang="en-GB"/>
@@ -629,7 +634,8 @@
           <a:p>
             <a:fld id="{896F2326-4A70-4158-8EF4-870C7A1714DC}" type="datetimeFigureOut">
               <a:rPr lang="en-GB" smtClean="0"/>
-              <a:t>25/02/2022</a:t>
+              <a:pPr/>
+              <a:t>01/03/2022</a:t>
             </a:fld>
             <a:endParaRPr lang="en-GB"/>
           </a:p>
@@ -671,6 +677,7 @@
           <a:p>
             <a:fld id="{504313BB-3A6D-4DF2-B70F-A1BABF25D464}" type="slidenum">
               <a:rPr lang="en-GB" smtClean="0"/>
+              <a:pPr/>
               <a:t>‹#›</a:t>
             </a:fld>
             <a:endParaRPr lang="en-GB"/>
@@ -895,7 +902,8 @@
           <a:p>
             <a:fld id="{896F2326-4A70-4158-8EF4-870C7A1714DC}" type="datetimeFigureOut">
               <a:rPr lang="en-GB" smtClean="0"/>
-              <a:t>25/02/2022</a:t>
+              <a:pPr/>
+              <a:t>01/03/2022</a:t>
             </a:fld>
             <a:endParaRPr lang="en-GB"/>
           </a:p>
@@ -937,6 +945,7 @@
           <a:p>
             <a:fld id="{504313BB-3A6D-4DF2-B70F-A1BABF25D464}" type="slidenum">
               <a:rPr lang="en-GB" smtClean="0"/>
+              <a:pPr/>
               <a:t>‹#›</a:t>
             </a:fld>
             <a:endParaRPr lang="en-GB"/>
@@ -1178,7 +1187,8 @@
           <a:p>
             <a:fld id="{896F2326-4A70-4158-8EF4-870C7A1714DC}" type="datetimeFigureOut">
               <a:rPr lang="en-GB" smtClean="0"/>
-              <a:t>25/02/2022</a:t>
+              <a:pPr/>
+              <a:t>01/03/2022</a:t>
             </a:fld>
             <a:endParaRPr lang="en-GB"/>
           </a:p>
@@ -1220,6 +1230,7 @@
           <a:p>
             <a:fld id="{504313BB-3A6D-4DF2-B70F-A1BABF25D464}" type="slidenum">
               <a:rPr lang="en-GB" smtClean="0"/>
+              <a:pPr/>
               <a:t>‹#›</a:t>
             </a:fld>
             <a:endParaRPr lang="en-GB"/>
@@ -1595,7 +1606,8 @@
           <a:p>
             <a:fld id="{896F2326-4A70-4158-8EF4-870C7A1714DC}" type="datetimeFigureOut">
               <a:rPr lang="en-GB" smtClean="0"/>
-              <a:t>25/02/2022</a:t>
+              <a:pPr/>
+              <a:t>01/03/2022</a:t>
             </a:fld>
             <a:endParaRPr lang="en-GB"/>
           </a:p>
@@ -1637,6 +1649,7 @@
           <a:p>
             <a:fld id="{504313BB-3A6D-4DF2-B70F-A1BABF25D464}" type="slidenum">
               <a:rPr lang="en-GB" smtClean="0"/>
+              <a:pPr/>
               <a:t>‹#›</a:t>
             </a:fld>
             <a:endParaRPr lang="en-GB"/>
@@ -1708,7 +1721,8 @@
           <a:p>
             <a:fld id="{896F2326-4A70-4158-8EF4-870C7A1714DC}" type="datetimeFigureOut">
               <a:rPr lang="en-GB" smtClean="0"/>
-              <a:t>25/02/2022</a:t>
+              <a:pPr/>
+              <a:t>01/03/2022</a:t>
             </a:fld>
             <a:endParaRPr lang="en-GB"/>
           </a:p>
@@ -1750,6 +1764,7 @@
           <a:p>
             <a:fld id="{504313BB-3A6D-4DF2-B70F-A1BABF25D464}" type="slidenum">
               <a:rPr lang="en-GB" smtClean="0"/>
+              <a:pPr/>
               <a:t>‹#›</a:t>
             </a:fld>
             <a:endParaRPr lang="en-GB"/>
@@ -1798,7 +1813,8 @@
           <a:p>
             <a:fld id="{896F2326-4A70-4158-8EF4-870C7A1714DC}" type="datetimeFigureOut">
               <a:rPr lang="en-GB" smtClean="0"/>
-              <a:t>25/02/2022</a:t>
+              <a:pPr/>
+              <a:t>01/03/2022</a:t>
             </a:fld>
             <a:endParaRPr lang="en-GB"/>
           </a:p>
@@ -1840,6 +1856,7 @@
           <a:p>
             <a:fld id="{504313BB-3A6D-4DF2-B70F-A1BABF25D464}" type="slidenum">
               <a:rPr lang="en-GB" smtClean="0"/>
+              <a:pPr/>
               <a:t>‹#›</a:t>
             </a:fld>
             <a:endParaRPr lang="en-GB"/>
@@ -2070,7 +2087,8 @@
           <a:p>
             <a:fld id="{896F2326-4A70-4158-8EF4-870C7A1714DC}" type="datetimeFigureOut">
               <a:rPr lang="en-GB" smtClean="0"/>
-              <a:t>25/02/2022</a:t>
+              <a:pPr/>
+              <a:t>01/03/2022</a:t>
             </a:fld>
             <a:endParaRPr lang="en-GB"/>
           </a:p>
@@ -2112,6 +2130,7 @@
           <a:p>
             <a:fld id="{504313BB-3A6D-4DF2-B70F-A1BABF25D464}" type="slidenum">
               <a:rPr lang="en-GB" smtClean="0"/>
+              <a:pPr/>
               <a:t>‹#›</a:t>
             </a:fld>
             <a:endParaRPr lang="en-GB"/>
@@ -2318,7 +2337,8 @@
           <a:p>
             <a:fld id="{896F2326-4A70-4158-8EF4-870C7A1714DC}" type="datetimeFigureOut">
               <a:rPr lang="en-GB" smtClean="0"/>
-              <a:t>25/02/2022</a:t>
+              <a:pPr/>
+              <a:t>01/03/2022</a:t>
             </a:fld>
             <a:endParaRPr lang="en-GB"/>
           </a:p>
@@ -2360,6 +2380,7 @@
           <a:p>
             <a:fld id="{504313BB-3A6D-4DF2-B70F-A1BABF25D464}" type="slidenum">
               <a:rPr lang="en-GB" smtClean="0"/>
+              <a:pPr/>
               <a:t>‹#›</a:t>
             </a:fld>
             <a:endParaRPr lang="en-GB"/>
@@ -2378,16 +2399,9 @@
 <p:sldMaster xmlns:a="http://schemas.openxmlformats.org/drawingml/2006/main" xmlns:r="http://schemas.openxmlformats.org/officeDocument/2006/relationships" xmlns:p="http://schemas.openxmlformats.org/presentationml/2006/main">
   <p:cSld>
     <p:bg>
-      <p:bgPr>
-        <a:solidFill>
-          <a:schemeClr val="accent6">
-            <a:lumMod val="40000"/>
-            <a:lumOff val="60000"/>
-            <a:alpha val="83000"/>
-          </a:schemeClr>
-        </a:solidFill>
-        <a:effectLst/>
-      </p:bgPr>
+      <p:bgRef idx="1001">
+        <a:schemeClr val="bg1"/>
+      </p:bgRef>
     </p:bg>
     <p:spTree>
       <p:nvGrpSpPr>
@@ -2533,7 +2547,8 @@
           <a:p>
             <a:fld id="{896F2326-4A70-4158-8EF4-870C7A1714DC}" type="datetimeFigureOut">
               <a:rPr lang="en-GB" smtClean="0"/>
-              <a:t>25/02/2022</a:t>
+              <a:pPr/>
+              <a:t>01/03/2022</a:t>
             </a:fld>
             <a:endParaRPr lang="en-GB"/>
           </a:p>
@@ -2611,6 +2626,7 @@
           <a:p>
             <a:fld id="{504313BB-3A6D-4DF2-B70F-A1BABF25D464}" type="slidenum">
               <a:rPr lang="en-GB" smtClean="0"/>
+              <a:pPr/>
               <a:t>‹#›</a:t>
             </a:fld>
             <a:endParaRPr lang="en-GB"/>
@@ -3105,6 +3121,16 @@
 <file path=ppt/slides/slide2.xml><?xml version="1.0" encoding="utf-8"?>
 <p:sld xmlns:a="http://schemas.openxmlformats.org/drawingml/2006/main" xmlns:r="http://schemas.openxmlformats.org/officeDocument/2006/relationships" xmlns:p="http://schemas.openxmlformats.org/presentationml/2006/main">
   <p:cSld>
+    <p:bg>
+      <p:bgPr>
+        <a:solidFill>
+          <a:schemeClr val="bg1">
+            <a:lumMod val="95000"/>
+          </a:schemeClr>
+        </a:solidFill>
+        <a:effectLst/>
+      </p:bgPr>
+    </p:bg>
     <p:spTree>
       <p:nvGrpSpPr>
         <p:cNvPr id="1" name=""/>
@@ -3121,16 +3147,16 @@
       </p:grpSpPr>
       <p:grpSp>
         <p:nvGrpSpPr>
-          <p:cNvPr id="68" name="Group 67"/>
+          <p:cNvPr id="29" name="Group 28"/>
           <p:cNvGrpSpPr/>
           <p:nvPr/>
         </p:nvGrpSpPr>
         <p:grpSpPr>
           <a:xfrm>
-            <a:off x="755576" y="980728"/>
-            <a:ext cx="7451278" cy="5184576"/>
-            <a:chOff x="755576" y="980728"/>
-            <a:chExt cx="7451278" cy="5184576"/>
+            <a:off x="395536" y="980728"/>
+            <a:ext cx="8129641" cy="5184576"/>
+            <a:chOff x="395536" y="980728"/>
+            <a:chExt cx="8129641" cy="5184576"/>
           </a:xfrm>
         </p:grpSpPr>
         <p:grpSp>
@@ -3141,7 +3167,7 @@
           </p:nvGrpSpPr>
           <p:grpSpPr>
             <a:xfrm>
-              <a:off x="755576" y="980728"/>
+              <a:off x="395536" y="980728"/>
               <a:ext cx="7451278" cy="5184576"/>
               <a:chOff x="755576" y="980728"/>
               <a:chExt cx="7451278" cy="5184576"/>
@@ -3229,16 +3255,18 @@
                 <p:nvPr/>
               </p:nvCxnSpPr>
               <p:spPr>
-                <a:xfrm>
-                  <a:off x="4291013" y="3572644"/>
-                  <a:ext cx="4762" cy="146869"/>
+                <a:xfrm flipH="1">
+                  <a:off x="4295594" y="3576263"/>
+                  <a:ext cx="1019" cy="140420"/>
                 </a:xfrm>
                 <a:prstGeom prst="line">
                   <a:avLst/>
                 </a:prstGeom>
-                <a:ln w="57150">
+                <a:ln w="76200">
                   <a:solidFill>
-                    <a:schemeClr val="bg1"/>
+                    <a:schemeClr val="bg1">
+                      <a:lumMod val="95000"/>
+                    </a:schemeClr>
                   </a:solidFill>
                 </a:ln>
               </p:spPr>
@@ -3271,9 +3299,11 @@
                 <a:prstGeom prst="line">
                   <a:avLst/>
                 </a:prstGeom>
-                <a:ln w="57150">
+                <a:ln w="76200">
                   <a:solidFill>
-                    <a:schemeClr val="bg1"/>
+                    <a:schemeClr val="bg1">
+                      <a:lumMod val="95000"/>
+                    </a:schemeClr>
                   </a:solidFill>
                 </a:ln>
               </p:spPr>
@@ -3306,9 +3336,11 @@
                 <a:prstGeom prst="line">
                   <a:avLst/>
                 </a:prstGeom>
-                <a:ln w="57150">
+                <a:ln w="76200">
                   <a:solidFill>
-                    <a:schemeClr val="bg1"/>
+                    <a:schemeClr val="bg1">
+                      <a:lumMod val="95000"/>
+                    </a:schemeClr>
                   </a:solidFill>
                 </a:ln>
               </p:spPr>
@@ -3341,9 +3373,11 @@
                 <a:prstGeom prst="line">
                   <a:avLst/>
                 </a:prstGeom>
-                <a:ln w="57150">
+                <a:ln w="76200">
                   <a:solidFill>
-                    <a:schemeClr val="bg1"/>
+                    <a:schemeClr val="bg1">
+                      <a:lumMod val="95000"/>
+                    </a:schemeClr>
                   </a:solidFill>
                 </a:ln>
               </p:spPr>
@@ -3630,8 +3664,8 @@
           </p:nvCxnSpPr>
           <p:spPr>
             <a:xfrm>
-              <a:off x="7577288" y="3402809"/>
-              <a:ext cx="288032" cy="0"/>
+              <a:off x="7217248" y="3402809"/>
+              <a:ext cx="778990" cy="2379"/>
             </a:xfrm>
             <a:prstGeom prst="line">
               <a:avLst/>
@@ -3665,8 +3699,8 @@
           </p:nvCxnSpPr>
           <p:spPr>
             <a:xfrm>
-              <a:off x="7574907" y="3114777"/>
-              <a:ext cx="288032" cy="0"/>
+              <a:off x="7214867" y="3114777"/>
+              <a:ext cx="776608" cy="4661"/>
             </a:xfrm>
             <a:prstGeom prst="line">
               <a:avLst/>
@@ -3700,7 +3734,7 @@
           </p:nvSpPr>
           <p:spPr>
             <a:xfrm>
-              <a:off x="8006955" y="3140968"/>
+              <a:off x="8141446" y="3140968"/>
               <a:ext cx="144016" cy="216024"/>
             </a:xfrm>
             <a:prstGeom prst="rect">
@@ -3745,7 +3779,7 @@
           </p:nvSpPr>
           <p:spPr>
             <a:xfrm>
-              <a:off x="7965901" y="3035052"/>
+              <a:off x="8100392" y="3035052"/>
               <a:ext cx="216024" cy="45719"/>
             </a:xfrm>
             <a:prstGeom prst="rect">
@@ -3793,7 +3827,7 @@
           </p:nvCxnSpPr>
           <p:spPr>
             <a:xfrm flipH="1">
-              <a:off x="7843838" y="3186785"/>
+              <a:off x="7978329" y="3186785"/>
               <a:ext cx="163117" cy="1709"/>
             </a:xfrm>
             <a:prstGeom prst="line">
@@ -3828,7 +3862,7 @@
           </p:nvCxnSpPr>
           <p:spPr>
             <a:xfrm flipV="1">
-              <a:off x="7853415" y="3112396"/>
+              <a:off x="7987906" y="3112396"/>
               <a:ext cx="0" cy="72008"/>
             </a:xfrm>
             <a:prstGeom prst="line">
@@ -3863,7 +3897,7 @@
           </p:nvCxnSpPr>
           <p:spPr>
             <a:xfrm flipH="1">
-              <a:off x="7848600" y="3330801"/>
+              <a:off x="7983091" y="3330801"/>
               <a:ext cx="158355" cy="2949"/>
             </a:xfrm>
             <a:prstGeom prst="line">
@@ -3898,7 +3932,7 @@
           </p:nvCxnSpPr>
           <p:spPr>
             <a:xfrm flipV="1">
-              <a:off x="7858177" y="3328420"/>
+              <a:off x="7992668" y="3328420"/>
               <a:ext cx="0" cy="72008"/>
             </a:xfrm>
             <a:prstGeom prst="line">
@@ -3933,7 +3967,7 @@
           </p:nvSpPr>
           <p:spPr>
             <a:xfrm>
-              <a:off x="8055769" y="3090863"/>
+              <a:off x="8190260" y="3090863"/>
               <a:ext cx="45719" cy="45719"/>
             </a:xfrm>
             <a:prstGeom prst="rect">
@@ -3973,7 +4007,209 @@
             </a:p>
           </p:txBody>
         </p:sp>
+        <p:sp>
+          <p:nvSpPr>
+            <p:cNvPr id="28" name="TextBox 27"/>
+            <p:cNvSpPr txBox="1"/>
+            <p:nvPr/>
+          </p:nvSpPr>
+          <p:spPr>
+            <a:xfrm>
+              <a:off x="7380312" y="2564904"/>
+              <a:ext cx="1144865" cy="415498"/>
+            </a:xfrm>
+            <a:prstGeom prst="rect">
+              <a:avLst/>
+            </a:prstGeom>
+            <a:noFill/>
+          </p:spPr>
+          <p:txBody>
+            <a:bodyPr wrap="none" rtlCol="0">
+              <a:spAutoFit/>
+            </a:bodyPr>
+            <a:lstStyle/>
+            <a:p>
+              <a:r>
+                <a:rPr lang="en-GB" sz="1050" dirty="0" smtClean="0"/>
+                <a:t>Button switch,</a:t>
+              </a:r>
+            </a:p>
+            <a:p>
+              <a:r>
+                <a:rPr lang="en-GB" sz="1050" dirty="0" smtClean="0"/>
+                <a:t>simply connected</a:t>
+              </a:r>
+              <a:endParaRPr lang="en-GB" sz="1050" dirty="0"/>
+            </a:p>
+          </p:txBody>
+        </p:sp>
       </p:grpSp>
+    </p:spTree>
+  </p:cSld>
+  <p:clrMapOvr>
+    <a:masterClrMapping/>
+  </p:clrMapOvr>
+</p:sld>
+</file>
+
+<file path=ppt/slides/slide3.xml><?xml version="1.0" encoding="utf-8"?>
+<p:sld xmlns:a="http://schemas.openxmlformats.org/drawingml/2006/main" xmlns:r="http://schemas.openxmlformats.org/officeDocument/2006/relationships" xmlns:p="http://schemas.openxmlformats.org/presentationml/2006/main">
+  <p:cSld>
+    <p:spTree>
+      <p:nvGrpSpPr>
+        <p:cNvPr id="1" name=""/>
+        <p:cNvGrpSpPr/>
+        <p:nvPr/>
+      </p:nvGrpSpPr>
+      <p:grpSpPr>
+        <a:xfrm>
+          <a:off x="0" y="0"/>
+          <a:ext cx="0" cy="0"/>
+          <a:chOff x="0" y="0"/>
+          <a:chExt cx="0" cy="0"/>
+        </a:xfrm>
+      </p:grpSpPr>
+      <p:sp>
+        <p:nvSpPr>
+          <p:cNvPr id="2" name="TextBox 1"/>
+          <p:cNvSpPr txBox="1"/>
+          <p:nvPr/>
+        </p:nvSpPr>
+        <p:spPr>
+          <a:xfrm>
+            <a:off x="1403648" y="1412776"/>
+            <a:ext cx="4752528" cy="1815882"/>
+          </a:xfrm>
+          <a:prstGeom prst="rect">
+            <a:avLst/>
+          </a:prstGeom>
+          <a:noFill/>
+          <a:ln w="6350">
+            <a:solidFill>
+              <a:schemeClr val="tx1"/>
+            </a:solidFill>
+          </a:ln>
+        </p:spPr>
+        <p:txBody>
+          <a:bodyPr wrap="square" rtlCol="0">
+            <a:spAutoFit/>
+          </a:bodyPr>
+          <a:lstStyle/>
+          <a:p>
+            <a:pPr defTabSz="1622425"/>
+            <a:r>
+              <a:rPr lang="en-GB" sz="1400" dirty="0" smtClean="0">
+                <a:solidFill>
+                  <a:srgbClr val="002060"/>
+                </a:solidFill>
+              </a:rPr>
+              <a:t>Microcontroller             74HC595</a:t>
+            </a:r>
+          </a:p>
+          <a:p>
+            <a:pPr defTabSz="1622425">
+              <a:tabLst>
+                <a:tab pos="1608138" algn="l"/>
+              </a:tabLst>
+            </a:pPr>
+            <a:r>
+              <a:rPr lang="en-GB" sz="1400" dirty="0" smtClean="0">
+                <a:solidFill>
+                  <a:srgbClr val="002060"/>
+                </a:solidFill>
+              </a:rPr>
+              <a:t>Pin	 </a:t>
+            </a:r>
+            <a:r>
+              <a:rPr lang="en-GB" sz="1400" dirty="0" err="1" smtClean="0">
+                <a:solidFill>
+                  <a:srgbClr val="002060"/>
+                </a:solidFill>
+              </a:rPr>
+              <a:t>Pin</a:t>
+            </a:r>
+            <a:r>
+              <a:rPr lang="en-GB" sz="1400" dirty="0" smtClean="0">
+                <a:solidFill>
+                  <a:srgbClr val="002060"/>
+                </a:solidFill>
+              </a:rPr>
+              <a:t> </a:t>
+            </a:r>
+          </a:p>
+          <a:p>
+            <a:pPr marL="0" lvl="1" defTabSz="1622425">
+              <a:tabLst>
+                <a:tab pos="1608138" algn="l"/>
+              </a:tabLst>
+            </a:pPr>
+            <a:r>
+              <a:rPr lang="en-GB" sz="1400" dirty="0" smtClean="0"/>
+              <a:t>   8		14 (SER) data in</a:t>
+            </a:r>
+          </a:p>
+          <a:p>
+            <a:pPr marL="0" lvl="1" defTabSz="1622425">
+              <a:tabLst>
+                <a:tab pos="1608138" algn="l"/>
+              </a:tabLst>
+            </a:pPr>
+            <a:r>
+              <a:rPr lang="en-GB" sz="1400" dirty="0" smtClean="0"/>
+              <a:t>   9		12 (RCLK) latch</a:t>
+            </a:r>
+          </a:p>
+          <a:p>
+            <a:pPr marL="0" lvl="1" defTabSz="1622425">
+              <a:tabLst>
+                <a:tab pos="1608138" algn="l"/>
+              </a:tabLst>
+            </a:pPr>
+            <a:r>
+              <a:rPr lang="en-GB" sz="1400" dirty="0" smtClean="0"/>
+              <a:t> 10		11 (SRCLK) clock</a:t>
+            </a:r>
+          </a:p>
+          <a:p>
+            <a:pPr marL="0" lvl="1" defTabSz="1622425">
+              <a:tabLst>
+                <a:tab pos="1608138" algn="l"/>
+              </a:tabLst>
+            </a:pPr>
+            <a:r>
+              <a:rPr lang="en-GB" sz="1400" dirty="0" smtClean="0"/>
+              <a:t> 11		10 (SRCLR) master reset</a:t>
+            </a:r>
+          </a:p>
+          <a:p>
+            <a:pPr marL="1608138" lvl="3" indent="-1608138" defTabSz="1622425">
+              <a:tabLst>
+                <a:tab pos="1608138" algn="l"/>
+              </a:tabLst>
+            </a:pPr>
+            <a:endParaRPr lang="en-GB" sz="1400" dirty="0" smtClean="0"/>
+          </a:p>
+          <a:p>
+            <a:pPr marL="1608138" lvl="3" indent="-1608138" defTabSz="1622425">
+              <a:tabLst>
+                <a:tab pos="1608138" algn="l"/>
+              </a:tabLst>
+            </a:pPr>
+            <a:r>
+              <a:rPr lang="en-GB" sz="1400" dirty="0" smtClean="0"/>
+              <a:t>12 	</a:t>
+            </a:r>
+            <a:r>
+              <a:rPr lang="en-GB" sz="1400" dirty="0" smtClean="0">
+                <a:solidFill>
+                  <a:srgbClr val="002060"/>
+                </a:solidFill>
+              </a:rPr>
+              <a:t>Switch Pin</a:t>
+            </a:r>
+          </a:p>
+        </p:txBody>
+      </p:sp>
     </p:spTree>
   </p:cSld>
   <p:clrMapOvr>
